--- a/Final Project/airbnb.pptx
+++ b/Final Project/airbnb.pptx
@@ -5,7 +5,7 @@
     <p:sldMasterId id="2147483648" r:id="rId1"/>
   </p:sldMasterIdLst>
   <p:notesMasterIdLst>
-    <p:notesMasterId r:id="rId17"/>
+    <p:notesMasterId r:id="rId15"/>
   </p:notesMasterIdLst>
   <p:sldIdLst>
     <p:sldId id="257" r:id="rId2"/>
@@ -19,10 +19,8 @@
     <p:sldId id="266" r:id="rId10"/>
     <p:sldId id="267" r:id="rId11"/>
     <p:sldId id="268" r:id="rId12"/>
-    <p:sldId id="269" r:id="rId13"/>
-    <p:sldId id="270" r:id="rId14"/>
-    <p:sldId id="271" r:id="rId15"/>
-    <p:sldId id="272" r:id="rId16"/>
+    <p:sldId id="271" r:id="rId13"/>
+    <p:sldId id="272" r:id="rId14"/>
   </p:sldIdLst>
   <p:sldSz cx="12192000" cy="6858000"/>
   <p:notesSz cx="6858000" cy="9144000"/>
@@ -121,6 +119,11 @@
       </a:defRPr>
     </a:lvl9pPr>
   </p:defaultTextStyle>
+  <p:extLst>
+    <p:ext uri="{EFAFB233-063F-42B5-8137-9DF3F51BA10A}">
+      <p15:sldGuideLst xmlns:p15="http://schemas.microsoft.com/office/powerpoint/2012/main"/>
+    </p:ext>
+  </p:extLst>
 </p:presentation>
 </file>
 
@@ -206,7 +209,7 @@
           <a:p>
             <a:fld id="{72A8320F-8FB6-42BE-A13F-B29559FBBD24}" type="datetimeFigureOut">
               <a:rPr lang="en-US" smtClean="0"/>
-              <a:t>8/18/2018</a:t>
+              <a:t>8/19/2018</a:t>
             </a:fld>
             <a:endParaRPr lang="en-US"/>
           </a:p>
@@ -620,7 +623,7 @@
           <a:p>
             <a:fld id="{8754D07D-61A0-4E3B-95A6-4DC8A63471FF}" type="datetimeFigureOut">
               <a:rPr lang="en-US" smtClean="0"/>
-              <a:t>8/18/2018</a:t>
+              <a:t>8/19/2018</a:t>
             </a:fld>
             <a:endParaRPr lang="en-US"/>
           </a:p>
@@ -818,7 +821,7 @@
           <a:p>
             <a:fld id="{8754D07D-61A0-4E3B-95A6-4DC8A63471FF}" type="datetimeFigureOut">
               <a:rPr lang="en-US" smtClean="0"/>
-              <a:t>8/18/2018</a:t>
+              <a:t>8/19/2018</a:t>
             </a:fld>
             <a:endParaRPr lang="en-US"/>
           </a:p>
@@ -1026,7 +1029,7 @@
           <a:p>
             <a:fld id="{8754D07D-61A0-4E3B-95A6-4DC8A63471FF}" type="datetimeFigureOut">
               <a:rPr lang="en-US" smtClean="0"/>
-              <a:t>8/18/2018</a:t>
+              <a:t>8/19/2018</a:t>
             </a:fld>
             <a:endParaRPr lang="en-US"/>
           </a:p>
@@ -1224,7 +1227,7 @@
           <a:p>
             <a:fld id="{8754D07D-61A0-4E3B-95A6-4DC8A63471FF}" type="datetimeFigureOut">
               <a:rPr lang="en-US" smtClean="0"/>
-              <a:t>8/18/2018</a:t>
+              <a:t>8/19/2018</a:t>
             </a:fld>
             <a:endParaRPr lang="en-US"/>
           </a:p>
@@ -1499,7 +1502,7 @@
           <a:p>
             <a:fld id="{8754D07D-61A0-4E3B-95A6-4DC8A63471FF}" type="datetimeFigureOut">
               <a:rPr lang="en-US" smtClean="0"/>
-              <a:t>8/18/2018</a:t>
+              <a:t>8/19/2018</a:t>
             </a:fld>
             <a:endParaRPr lang="en-US"/>
           </a:p>
@@ -1764,7 +1767,7 @@
           <a:p>
             <a:fld id="{8754D07D-61A0-4E3B-95A6-4DC8A63471FF}" type="datetimeFigureOut">
               <a:rPr lang="en-US" smtClean="0"/>
-              <a:t>8/18/2018</a:t>
+              <a:t>8/19/2018</a:t>
             </a:fld>
             <a:endParaRPr lang="en-US"/>
           </a:p>
@@ -2176,7 +2179,7 @@
           <a:p>
             <a:fld id="{8754D07D-61A0-4E3B-95A6-4DC8A63471FF}" type="datetimeFigureOut">
               <a:rPr lang="en-US" smtClean="0"/>
-              <a:t>8/18/2018</a:t>
+              <a:t>8/19/2018</a:t>
             </a:fld>
             <a:endParaRPr lang="en-US"/>
           </a:p>
@@ -2317,7 +2320,7 @@
           <a:p>
             <a:fld id="{8754D07D-61A0-4E3B-95A6-4DC8A63471FF}" type="datetimeFigureOut">
               <a:rPr lang="en-US" smtClean="0"/>
-              <a:t>8/18/2018</a:t>
+              <a:t>8/19/2018</a:t>
             </a:fld>
             <a:endParaRPr lang="en-US"/>
           </a:p>
@@ -2430,7 +2433,7 @@
           <a:p>
             <a:fld id="{8754D07D-61A0-4E3B-95A6-4DC8A63471FF}" type="datetimeFigureOut">
               <a:rPr lang="en-US" smtClean="0"/>
-              <a:t>8/18/2018</a:t>
+              <a:t>8/19/2018</a:t>
             </a:fld>
             <a:endParaRPr lang="en-US"/>
           </a:p>
@@ -2741,7 +2744,7 @@
           <a:p>
             <a:fld id="{8754D07D-61A0-4E3B-95A6-4DC8A63471FF}" type="datetimeFigureOut">
               <a:rPr lang="en-US" smtClean="0"/>
-              <a:t>8/18/2018</a:t>
+              <a:t>8/19/2018</a:t>
             </a:fld>
             <a:endParaRPr lang="en-US"/>
           </a:p>
@@ -3029,7 +3032,7 @@
           <a:p>
             <a:fld id="{8754D07D-61A0-4E3B-95A6-4DC8A63471FF}" type="datetimeFigureOut">
               <a:rPr lang="en-US" smtClean="0"/>
-              <a:t>8/18/2018</a:t>
+              <a:t>8/19/2018</a:t>
             </a:fld>
             <a:endParaRPr lang="en-US"/>
           </a:p>
@@ -3270,7 +3273,7 @@
           <a:p>
             <a:fld id="{8754D07D-61A0-4E3B-95A6-4DC8A63471FF}" type="datetimeFigureOut">
               <a:rPr lang="en-US" smtClean="0"/>
-              <a:t>8/18/2018</a:t>
+              <a:t>8/19/2018</a:t>
             </a:fld>
             <a:endParaRPr lang="en-US"/>
           </a:p>
@@ -4197,7 +4200,7 @@
         </p:nvSpPr>
         <p:spPr>
           <a:xfrm>
-            <a:off x="701964" y="369454"/>
+            <a:off x="574677" y="303784"/>
             <a:ext cx="10972800" cy="830997"/>
           </a:xfrm>
           <a:prstGeom prst="rect">
@@ -4217,7 +4220,7 @@
                   <a:srgbClr val="EB5F5E"/>
                 </a:solidFill>
               </a:rPr>
-              <a:t>Questions</a:t>
+              <a:t>Overall Satisfaction vs Price</a:t>
             </a:r>
           </a:p>
         </p:txBody>
@@ -4259,6 +4262,150 @@
           </a:p>
         </p:txBody>
       </p:sp>
+      <p:pic>
+        <p:nvPicPr>
+          <p:cNvPr id="7" name="Picture 6">
+            <a:extLst>
+              <a:ext uri="{FF2B5EF4-FFF2-40B4-BE49-F238E27FC236}">
+                <a16:creationId xmlns:a16="http://schemas.microsoft.com/office/drawing/2014/main" id="{625C15B4-0C41-4D65-A4D1-96039ACB9D94}"/>
+              </a:ext>
+            </a:extLst>
+          </p:cNvPr>
+          <p:cNvPicPr>
+            <a:picLocks noChangeAspect="1"/>
+          </p:cNvPicPr>
+          <p:nvPr/>
+        </p:nvPicPr>
+        <p:blipFill>
+          <a:blip r:embed="rId4">
+            <a:extLst>
+              <a:ext uri="{28A0092B-C50C-407E-A947-70E740481C1C}">
+                <a14:useLocalDpi xmlns:a14="http://schemas.microsoft.com/office/drawing/2010/main" val="0"/>
+              </a:ext>
+            </a:extLst>
+          </a:blip>
+          <a:stretch>
+            <a:fillRect/>
+          </a:stretch>
+        </p:blipFill>
+        <p:spPr>
+          <a:xfrm>
+            <a:off x="1295580" y="1200451"/>
+            <a:ext cx="3977640" cy="2651760"/>
+          </a:xfrm>
+          <a:prstGeom prst="rect">
+            <a:avLst/>
+          </a:prstGeom>
+        </p:spPr>
+      </p:pic>
+      <p:pic>
+        <p:nvPicPr>
+          <p:cNvPr id="9" name="Picture 8">
+            <a:extLst>
+              <a:ext uri="{FF2B5EF4-FFF2-40B4-BE49-F238E27FC236}">
+                <a16:creationId xmlns:a16="http://schemas.microsoft.com/office/drawing/2014/main" id="{8A4C45E1-C17A-44E0-96FD-E58F02EDCD29}"/>
+              </a:ext>
+            </a:extLst>
+          </p:cNvPr>
+          <p:cNvPicPr>
+            <a:picLocks noChangeAspect="1"/>
+          </p:cNvPicPr>
+          <p:nvPr/>
+        </p:nvPicPr>
+        <p:blipFill>
+          <a:blip r:embed="rId5">
+            <a:extLst>
+              <a:ext uri="{28A0092B-C50C-407E-A947-70E740481C1C}">
+                <a14:useLocalDpi xmlns:a14="http://schemas.microsoft.com/office/drawing/2010/main" val="0"/>
+              </a:ext>
+            </a:extLst>
+          </a:blip>
+          <a:stretch>
+            <a:fillRect/>
+          </a:stretch>
+        </p:blipFill>
+        <p:spPr>
+          <a:xfrm>
+            <a:off x="5986929" y="1200451"/>
+            <a:ext cx="3977640" cy="2651760"/>
+          </a:xfrm>
+          <a:prstGeom prst="rect">
+            <a:avLst/>
+          </a:prstGeom>
+        </p:spPr>
+      </p:pic>
+      <p:pic>
+        <p:nvPicPr>
+          <p:cNvPr id="10" name="Picture 9">
+            <a:extLst>
+              <a:ext uri="{FF2B5EF4-FFF2-40B4-BE49-F238E27FC236}">
+                <a16:creationId xmlns:a16="http://schemas.microsoft.com/office/drawing/2014/main" id="{7C0EE419-5E63-41BE-9610-B1D1B79AA669}"/>
+              </a:ext>
+            </a:extLst>
+          </p:cNvPr>
+          <p:cNvPicPr>
+            <a:picLocks noChangeAspect="1"/>
+          </p:cNvPicPr>
+          <p:nvPr/>
+        </p:nvPicPr>
+        <p:blipFill>
+          <a:blip r:embed="rId6">
+            <a:extLst>
+              <a:ext uri="{28A0092B-C50C-407E-A947-70E740481C1C}">
+                <a14:useLocalDpi xmlns:a14="http://schemas.microsoft.com/office/drawing/2010/main" val="0"/>
+              </a:ext>
+            </a:extLst>
+          </a:blip>
+          <a:stretch>
+            <a:fillRect/>
+          </a:stretch>
+        </p:blipFill>
+        <p:spPr>
+          <a:xfrm>
+            <a:off x="1295580" y="3902456"/>
+            <a:ext cx="3977640" cy="2651760"/>
+          </a:xfrm>
+          <a:prstGeom prst="rect">
+            <a:avLst/>
+          </a:prstGeom>
+        </p:spPr>
+      </p:pic>
+      <p:pic>
+        <p:nvPicPr>
+          <p:cNvPr id="11" name="Picture 10">
+            <a:extLst>
+              <a:ext uri="{FF2B5EF4-FFF2-40B4-BE49-F238E27FC236}">
+                <a16:creationId xmlns:a16="http://schemas.microsoft.com/office/drawing/2014/main" id="{F43179B5-075B-4234-9732-CBD94620A052}"/>
+              </a:ext>
+            </a:extLst>
+          </p:cNvPr>
+          <p:cNvPicPr>
+            <a:picLocks noChangeAspect="1"/>
+          </p:cNvPicPr>
+          <p:nvPr/>
+        </p:nvPicPr>
+        <p:blipFill>
+          <a:blip r:embed="rId7">
+            <a:extLst>
+              <a:ext uri="{28A0092B-C50C-407E-A947-70E740481C1C}">
+                <a14:useLocalDpi xmlns:a14="http://schemas.microsoft.com/office/drawing/2010/main" val="0"/>
+              </a:ext>
+            </a:extLst>
+          </a:blip>
+          <a:stretch>
+            <a:fillRect/>
+          </a:stretch>
+        </p:blipFill>
+        <p:spPr>
+          <a:xfrm>
+            <a:off x="5986929" y="3902456"/>
+            <a:ext cx="3977640" cy="2651760"/>
+          </a:xfrm>
+          <a:prstGeom prst="rect">
+            <a:avLst/>
+          </a:prstGeom>
+        </p:spPr>
+      </p:pic>
     </p:spTree>
     <p:extLst>
       <p:ext uri="{BB962C8B-B14F-4D97-AF65-F5344CB8AC3E}">
@@ -4428,7 +4575,7 @@
         </p:nvSpPr>
         <p:spPr>
           <a:xfrm>
-            <a:off x="701964" y="369454"/>
+            <a:off x="574677" y="203255"/>
             <a:ext cx="10972800" cy="830997"/>
           </a:xfrm>
           <a:prstGeom prst="rect">
@@ -4448,7 +4595,7 @@
                   <a:srgbClr val="EB5F5E"/>
                 </a:solidFill>
               </a:rPr>
-              <a:t>Questions</a:t>
+              <a:t>Price Range vs Average Satisfaction</a:t>
             </a:r>
           </a:p>
         </p:txBody>
@@ -4490,6 +4637,150 @@
           </a:p>
         </p:txBody>
       </p:sp>
+      <p:pic>
+        <p:nvPicPr>
+          <p:cNvPr id="7" name="Picture 6">
+            <a:extLst>
+              <a:ext uri="{FF2B5EF4-FFF2-40B4-BE49-F238E27FC236}">
+                <a16:creationId xmlns:a16="http://schemas.microsoft.com/office/drawing/2014/main" id="{97AEC7AF-01EA-46C8-BD6E-98BF7BEC4813}"/>
+              </a:ext>
+            </a:extLst>
+          </p:cNvPr>
+          <p:cNvPicPr>
+            <a:picLocks noChangeAspect="1"/>
+          </p:cNvPicPr>
+          <p:nvPr/>
+        </p:nvPicPr>
+        <p:blipFill>
+          <a:blip r:embed="rId4">
+            <a:extLst>
+              <a:ext uri="{28A0092B-C50C-407E-A947-70E740481C1C}">
+                <a14:useLocalDpi xmlns:a14="http://schemas.microsoft.com/office/drawing/2010/main" val="0"/>
+              </a:ext>
+            </a:extLst>
+          </a:blip>
+          <a:stretch>
+            <a:fillRect/>
+          </a:stretch>
+        </p:blipFill>
+        <p:spPr>
+          <a:xfrm>
+            <a:off x="1262889" y="1107148"/>
+            <a:ext cx="4139757" cy="2759838"/>
+          </a:xfrm>
+          <a:prstGeom prst="rect">
+            <a:avLst/>
+          </a:prstGeom>
+        </p:spPr>
+      </p:pic>
+      <p:pic>
+        <p:nvPicPr>
+          <p:cNvPr id="8" name="Picture 7">
+            <a:extLst>
+              <a:ext uri="{FF2B5EF4-FFF2-40B4-BE49-F238E27FC236}">
+                <a16:creationId xmlns:a16="http://schemas.microsoft.com/office/drawing/2014/main" id="{D8BEFE1A-A14E-4100-96BB-0CF387F8A250}"/>
+              </a:ext>
+            </a:extLst>
+          </p:cNvPr>
+          <p:cNvPicPr>
+            <a:picLocks noChangeAspect="1"/>
+          </p:cNvPicPr>
+          <p:nvPr/>
+        </p:nvPicPr>
+        <p:blipFill>
+          <a:blip r:embed="rId5">
+            <a:extLst>
+              <a:ext uri="{28A0092B-C50C-407E-A947-70E740481C1C}">
+                <a14:useLocalDpi xmlns:a14="http://schemas.microsoft.com/office/drawing/2010/main" val="0"/>
+              </a:ext>
+            </a:extLst>
+          </a:blip>
+          <a:stretch>
+            <a:fillRect/>
+          </a:stretch>
+        </p:blipFill>
+        <p:spPr>
+          <a:xfrm>
+            <a:off x="5985876" y="1107148"/>
+            <a:ext cx="4139757" cy="2759838"/>
+          </a:xfrm>
+          <a:prstGeom prst="rect">
+            <a:avLst/>
+          </a:prstGeom>
+        </p:spPr>
+      </p:pic>
+      <p:pic>
+        <p:nvPicPr>
+          <p:cNvPr id="9" name="Picture 8">
+            <a:extLst>
+              <a:ext uri="{FF2B5EF4-FFF2-40B4-BE49-F238E27FC236}">
+                <a16:creationId xmlns:a16="http://schemas.microsoft.com/office/drawing/2014/main" id="{31E387A3-D459-40A3-B6BB-D36A71002485}"/>
+              </a:ext>
+            </a:extLst>
+          </p:cNvPr>
+          <p:cNvPicPr>
+            <a:picLocks noChangeAspect="1"/>
+          </p:cNvPicPr>
+          <p:nvPr/>
+        </p:nvPicPr>
+        <p:blipFill>
+          <a:blip r:embed="rId6">
+            <a:extLst>
+              <a:ext uri="{28A0092B-C50C-407E-A947-70E740481C1C}">
+                <a14:useLocalDpi xmlns:a14="http://schemas.microsoft.com/office/drawing/2010/main" val="0"/>
+              </a:ext>
+            </a:extLst>
+          </a:blip>
+          <a:stretch>
+            <a:fillRect/>
+          </a:stretch>
+        </p:blipFill>
+        <p:spPr>
+          <a:xfrm>
+            <a:off x="1262890" y="3978146"/>
+            <a:ext cx="4139757" cy="2759838"/>
+          </a:xfrm>
+          <a:prstGeom prst="rect">
+            <a:avLst/>
+          </a:prstGeom>
+        </p:spPr>
+      </p:pic>
+      <p:pic>
+        <p:nvPicPr>
+          <p:cNvPr id="10" name="Picture 9">
+            <a:extLst>
+              <a:ext uri="{FF2B5EF4-FFF2-40B4-BE49-F238E27FC236}">
+                <a16:creationId xmlns:a16="http://schemas.microsoft.com/office/drawing/2014/main" id="{F0530B65-E11B-49D6-8764-E1622D21557C}"/>
+              </a:ext>
+            </a:extLst>
+          </p:cNvPr>
+          <p:cNvPicPr>
+            <a:picLocks noChangeAspect="1"/>
+          </p:cNvPicPr>
+          <p:nvPr/>
+        </p:nvPicPr>
+        <p:blipFill>
+          <a:blip r:embed="rId7">
+            <a:extLst>
+              <a:ext uri="{28A0092B-C50C-407E-A947-70E740481C1C}">
+                <a14:useLocalDpi xmlns:a14="http://schemas.microsoft.com/office/drawing/2010/main" val="0"/>
+              </a:ext>
+            </a:extLst>
+          </a:blip>
+          <a:stretch>
+            <a:fillRect/>
+          </a:stretch>
+        </p:blipFill>
+        <p:spPr>
+          <a:xfrm>
+            <a:off x="5985876" y="3978146"/>
+            <a:ext cx="4139757" cy="2759838"/>
+          </a:xfrm>
+          <a:prstGeom prst="rect">
+            <a:avLst/>
+          </a:prstGeom>
+        </p:spPr>
+      </p:pic>
     </p:spTree>
     <p:extLst>
       <p:ext uri="{BB962C8B-B14F-4D97-AF65-F5344CB8AC3E}">
@@ -4679,7 +4970,7 @@
                   <a:srgbClr val="EB5F5E"/>
                 </a:solidFill>
               </a:rPr>
-              <a:t>Questions</a:t>
+              <a:t>Difficulties and Opportunities</a:t>
             </a:r>
           </a:p>
         </p:txBody>
@@ -4698,8 +4989,8 @@
         </p:nvSpPr>
         <p:spPr>
           <a:xfrm>
-            <a:off x="1097280" y="1615440"/>
-            <a:ext cx="10119360" cy="369332"/>
+            <a:off x="701964" y="1412240"/>
+            <a:ext cx="10119360" cy="3539430"/>
           </a:xfrm>
           <a:prstGeom prst="rect">
             <a:avLst/>
@@ -4713,476 +5004,103 @@
           <a:lstStyle/>
           <a:p>
             <a:pPr marL="285750" indent="-285750">
-              <a:buBlip>
-                <a:blip r:embed="rId3"/>
-              </a:buBlip>
+              <a:buFont typeface="Arial" panose="020B0604020202020204" pitchFamily="34" charset="0"/>
+              <a:buChar char="•"/>
             </a:pPr>
-            <a:endParaRPr lang="en-US" dirty="0"/>
-          </a:p>
-        </p:txBody>
-      </p:sp>
-    </p:spTree>
-    <p:extLst>
-      <p:ext uri="{BB962C8B-B14F-4D97-AF65-F5344CB8AC3E}">
-        <p14:creationId xmlns:p14="http://schemas.microsoft.com/office/powerpoint/2010/main" val="3450788889"/>
-      </p:ext>
-    </p:extLst>
-  </p:cSld>
-  <p:clrMapOvr>
-    <a:masterClrMapping/>
-  </p:clrMapOvr>
-</p:sld>
-</file>
-
-<file path=ppt/slides/slide13.xml><?xml version="1.0" encoding="utf-8"?>
-<p:sld xmlns:a="http://schemas.openxmlformats.org/drawingml/2006/main" xmlns:r="http://schemas.openxmlformats.org/officeDocument/2006/relationships" xmlns:p="http://schemas.openxmlformats.org/presentationml/2006/main">
-  <p:cSld>
-    <p:bg>
-      <p:bgPr>
-        <a:gradFill flip="none" rotWithShape="1">
-          <a:gsLst>
-            <a:gs pos="0">
-              <a:schemeClr val="accent3">
-                <a:lumMod val="5000"/>
-                <a:lumOff val="95000"/>
-              </a:schemeClr>
-            </a:gs>
-            <a:gs pos="100000">
-              <a:srgbClr val="FCE8E8"/>
-            </a:gs>
-            <a:gs pos="100000">
-              <a:schemeClr val="accent3">
-                <a:lumMod val="30000"/>
-                <a:lumOff val="70000"/>
-              </a:schemeClr>
-            </a:gs>
-          </a:gsLst>
-          <a:lin ang="2700000" scaled="1"/>
-          <a:tileRect/>
-        </a:gradFill>
-        <a:effectLst/>
-      </p:bgPr>
-    </p:bg>
-    <p:spTree>
-      <p:nvGrpSpPr>
-        <p:cNvPr id="1" name=""/>
-        <p:cNvGrpSpPr/>
-        <p:nvPr/>
-      </p:nvGrpSpPr>
-      <p:grpSpPr>
-        <a:xfrm>
-          <a:off x="0" y="0"/>
-          <a:ext cx="0" cy="0"/>
-          <a:chOff x="0" y="0"/>
-          <a:chExt cx="0" cy="0"/>
-        </a:xfrm>
-      </p:grpSpPr>
+            <a:r>
+              <a:rPr lang="en-US" sz="3200" dirty="0"/>
+              <a:t>Data was pretty basic, limited exploration</a:t>
+            </a:r>
+          </a:p>
+          <a:p>
+            <a:pPr marL="285750" indent="-285750">
+              <a:buFont typeface="Arial" panose="020B0604020202020204" pitchFamily="34" charset="0"/>
+              <a:buChar char="•"/>
+            </a:pPr>
+            <a:r>
+              <a:rPr lang="en-US" sz="3200" dirty="0"/>
+              <a:t>Combine CSVs to track price/ratings over time</a:t>
+            </a:r>
+          </a:p>
+          <a:p>
+            <a:pPr marL="285750" indent="-285750">
+              <a:buFont typeface="Arial" panose="020B0604020202020204" pitchFamily="34" charset="0"/>
+              <a:buChar char="•"/>
+            </a:pPr>
+            <a:r>
+              <a:rPr lang="en-US" sz="3200" dirty="0"/>
+              <a:t>Other data sources – </a:t>
+            </a:r>
+            <a:r>
+              <a:rPr lang="en-US" sz="3200" dirty="0" err="1"/>
+              <a:t>AirDNA</a:t>
+            </a:r>
+            <a:endParaRPr lang="en-US" sz="3200" dirty="0"/>
+          </a:p>
+          <a:p>
+            <a:pPr marL="285750" indent="-285750">
+              <a:buFont typeface="Arial" panose="020B0604020202020204" pitchFamily="34" charset="0"/>
+              <a:buChar char="•"/>
+            </a:pPr>
+            <a:r>
+              <a:rPr lang="en-US" sz="3200" dirty="0"/>
+              <a:t>Map location with longitude </a:t>
+            </a:r>
+          </a:p>
+          <a:p>
+            <a:r>
+              <a:rPr lang="en-US" sz="3200" dirty="0"/>
+              <a:t>   and longitude</a:t>
+            </a:r>
+          </a:p>
+          <a:p>
+            <a:pPr marL="285750" indent="-285750">
+              <a:buFont typeface="Arial" panose="020B0604020202020204" pitchFamily="34" charset="0"/>
+              <a:buChar char="•"/>
+            </a:pPr>
+            <a:r>
+              <a:rPr lang="en-US" sz="3200" dirty="0"/>
+              <a:t>Combine and compare all four</a:t>
+            </a:r>
+          </a:p>
+          <a:p>
+            <a:r>
+              <a:rPr lang="en-US" sz="3200" dirty="0"/>
+              <a:t>    cities</a:t>
+            </a:r>
+          </a:p>
+        </p:txBody>
+      </p:sp>
       <p:pic>
         <p:nvPicPr>
-          <p:cNvPr id="2" name="Picture 2" descr="Image result for airbnb">
-            <a:extLst>
-              <a:ext uri="{FF2B5EF4-FFF2-40B4-BE49-F238E27FC236}">
-                <a16:creationId xmlns:a16="http://schemas.microsoft.com/office/drawing/2014/main" id="{48420C64-5B02-4E84-B9F3-403B4D01EFED}"/>
+          <p:cNvPr id="5" name="Picture 4">
+            <a:extLst>
+              <a:ext uri="{FF2B5EF4-FFF2-40B4-BE49-F238E27FC236}">
+                <a16:creationId xmlns:a16="http://schemas.microsoft.com/office/drawing/2014/main" id="{E8AB9F67-1615-4CB0-96CC-2817695FDED6}"/>
               </a:ext>
             </a:extLst>
           </p:cNvPr>
           <p:cNvPicPr>
-            <a:picLocks noChangeAspect="1" noChangeArrowheads="1"/>
+            <a:picLocks noChangeAspect="1"/>
           </p:cNvPicPr>
           <p:nvPr/>
         </p:nvPicPr>
         <p:blipFill>
-          <a:blip r:embed="rId2">
-            <a:extLst>
-              <a:ext uri="{28A0092B-C50C-407E-A947-70E740481C1C}">
-                <a14:useLocalDpi xmlns:a14="http://schemas.microsoft.com/office/drawing/2010/main" val="0"/>
-              </a:ext>
-            </a:extLst>
-          </a:blip>
-          <a:srcRect/>
+          <a:blip r:embed="rId3"/>
           <a:stretch>
             <a:fillRect/>
           </a:stretch>
         </p:blipFill>
-        <p:spPr bwMode="auto">
-          <a:xfrm>
-            <a:off x="10985829" y="6493163"/>
-            <a:ext cx="1123297" cy="244821"/>
-          </a:xfrm>
-          <a:prstGeom prst="rect">
-            <a:avLst/>
-          </a:prstGeom>
-          <a:noFill/>
-          <a:extLst>
-            <a:ext uri="{909E8E84-426E-40DD-AFC4-6F175D3DCCD1}">
-              <a14:hiddenFill xmlns:a14="http://schemas.microsoft.com/office/drawing/2010/main">
-                <a:solidFill>
-                  <a:srgbClr val="FFFFFF"/>
-                </a:solidFill>
-              </a14:hiddenFill>
-            </a:ext>
-          </a:extLst>
+        <p:spPr>
+          <a:xfrm>
+            <a:off x="6474551" y="2487929"/>
+            <a:ext cx="5072926" cy="2274915"/>
+          </a:xfrm>
+          <a:prstGeom prst="rect">
+            <a:avLst/>
+          </a:prstGeom>
         </p:spPr>
       </p:pic>
-      <p:sp>
-        <p:nvSpPr>
-          <p:cNvPr id="3" name="Rectangle 2">
-            <a:extLst>
-              <a:ext uri="{FF2B5EF4-FFF2-40B4-BE49-F238E27FC236}">
-                <a16:creationId xmlns:a16="http://schemas.microsoft.com/office/drawing/2014/main" id="{61E353FE-CE63-43A1-BAC1-2F5B83FDD49E}"/>
-              </a:ext>
-            </a:extLst>
-          </p:cNvPr>
-          <p:cNvSpPr/>
-          <p:nvPr/>
-        </p:nvSpPr>
-        <p:spPr>
-          <a:xfrm>
-            <a:off x="0" y="0"/>
-            <a:ext cx="274320" cy="6858000"/>
-          </a:xfrm>
-          <a:prstGeom prst="rect">
-            <a:avLst/>
-          </a:prstGeom>
-          <a:solidFill>
-            <a:srgbClr val="EB5F5E"/>
-          </a:solidFill>
-          <a:ln>
-            <a:noFill/>
-          </a:ln>
-        </p:spPr>
-        <p:style>
-          <a:lnRef idx="2">
-            <a:schemeClr val="accent1">
-              <a:shade val="50000"/>
-            </a:schemeClr>
-          </a:lnRef>
-          <a:fillRef idx="1">
-            <a:schemeClr val="accent1"/>
-          </a:fillRef>
-          <a:effectRef idx="0">
-            <a:schemeClr val="accent1"/>
-          </a:effectRef>
-          <a:fontRef idx="minor">
-            <a:schemeClr val="lt1"/>
-          </a:fontRef>
-        </p:style>
-        <p:txBody>
-          <a:bodyPr rtlCol="0" anchor="ctr"/>
-          <a:lstStyle/>
-          <a:p>
-            <a:pPr algn="ctr"/>
-            <a:endParaRPr lang="en-US"/>
-          </a:p>
-        </p:txBody>
-      </p:sp>
-      <p:sp>
-        <p:nvSpPr>
-          <p:cNvPr id="6" name="TextBox 5">
-            <a:extLst>
-              <a:ext uri="{FF2B5EF4-FFF2-40B4-BE49-F238E27FC236}">
-                <a16:creationId xmlns:a16="http://schemas.microsoft.com/office/drawing/2014/main" id="{B44B5988-FFF6-4BC8-B92F-6860D1589E81}"/>
-              </a:ext>
-            </a:extLst>
-          </p:cNvPr>
-          <p:cNvSpPr txBox="1"/>
-          <p:nvPr/>
-        </p:nvSpPr>
-        <p:spPr>
-          <a:xfrm>
-            <a:off x="701964" y="369454"/>
-            <a:ext cx="10972800" cy="830997"/>
-          </a:xfrm>
-          <a:prstGeom prst="rect">
-            <a:avLst/>
-          </a:prstGeom>
-          <a:noFill/>
-        </p:spPr>
-        <p:txBody>
-          <a:bodyPr wrap="square" rtlCol="0">
-            <a:spAutoFit/>
-          </a:bodyPr>
-          <a:lstStyle/>
-          <a:p>
-            <a:r>
-              <a:rPr lang="en-US" sz="4800" dirty="0">
-                <a:solidFill>
-                  <a:srgbClr val="EB5F5E"/>
-                </a:solidFill>
-              </a:rPr>
-              <a:t>Questions</a:t>
-            </a:r>
-          </a:p>
-        </p:txBody>
-      </p:sp>
-      <p:sp>
-        <p:nvSpPr>
-          <p:cNvPr id="4" name="TextBox 3">
-            <a:extLst>
-              <a:ext uri="{FF2B5EF4-FFF2-40B4-BE49-F238E27FC236}">
-                <a16:creationId xmlns:a16="http://schemas.microsoft.com/office/drawing/2014/main" id="{2466095E-708B-4964-BD3E-026FDFB363E9}"/>
-              </a:ext>
-            </a:extLst>
-          </p:cNvPr>
-          <p:cNvSpPr txBox="1"/>
-          <p:nvPr/>
-        </p:nvSpPr>
-        <p:spPr>
-          <a:xfrm>
-            <a:off x="1097280" y="1615440"/>
-            <a:ext cx="10119360" cy="369332"/>
-          </a:xfrm>
-          <a:prstGeom prst="rect">
-            <a:avLst/>
-          </a:prstGeom>
-          <a:noFill/>
-        </p:spPr>
-        <p:txBody>
-          <a:bodyPr wrap="square" rtlCol="0">
-            <a:spAutoFit/>
-          </a:bodyPr>
-          <a:lstStyle/>
-          <a:p>
-            <a:pPr marL="285750" indent="-285750">
-              <a:buBlip>
-                <a:blip r:embed="rId3"/>
-              </a:buBlip>
-            </a:pPr>
-            <a:endParaRPr lang="en-US" dirty="0"/>
-          </a:p>
-        </p:txBody>
-      </p:sp>
-    </p:spTree>
-    <p:extLst>
-      <p:ext uri="{BB962C8B-B14F-4D97-AF65-F5344CB8AC3E}">
-        <p14:creationId xmlns:p14="http://schemas.microsoft.com/office/powerpoint/2010/main" val="1399913732"/>
-      </p:ext>
-    </p:extLst>
-  </p:cSld>
-  <p:clrMapOvr>
-    <a:masterClrMapping/>
-  </p:clrMapOvr>
-</p:sld>
-</file>
-
-<file path=ppt/slides/slide14.xml><?xml version="1.0" encoding="utf-8"?>
-<p:sld xmlns:a="http://schemas.openxmlformats.org/drawingml/2006/main" xmlns:r="http://schemas.openxmlformats.org/officeDocument/2006/relationships" xmlns:p="http://schemas.openxmlformats.org/presentationml/2006/main">
-  <p:cSld>
-    <p:bg>
-      <p:bgPr>
-        <a:gradFill flip="none" rotWithShape="1">
-          <a:gsLst>
-            <a:gs pos="0">
-              <a:schemeClr val="accent3">
-                <a:lumMod val="5000"/>
-                <a:lumOff val="95000"/>
-              </a:schemeClr>
-            </a:gs>
-            <a:gs pos="100000">
-              <a:srgbClr val="FCE8E8"/>
-            </a:gs>
-            <a:gs pos="100000">
-              <a:schemeClr val="accent3">
-                <a:lumMod val="30000"/>
-                <a:lumOff val="70000"/>
-              </a:schemeClr>
-            </a:gs>
-          </a:gsLst>
-          <a:lin ang="2700000" scaled="1"/>
-          <a:tileRect/>
-        </a:gradFill>
-        <a:effectLst/>
-      </p:bgPr>
-    </p:bg>
-    <p:spTree>
-      <p:nvGrpSpPr>
-        <p:cNvPr id="1" name=""/>
-        <p:cNvGrpSpPr/>
-        <p:nvPr/>
-      </p:nvGrpSpPr>
-      <p:grpSpPr>
-        <a:xfrm>
-          <a:off x="0" y="0"/>
-          <a:ext cx="0" cy="0"/>
-          <a:chOff x="0" y="0"/>
-          <a:chExt cx="0" cy="0"/>
-        </a:xfrm>
-      </p:grpSpPr>
-      <p:pic>
-        <p:nvPicPr>
-          <p:cNvPr id="2" name="Picture 2" descr="Image result for airbnb">
-            <a:extLst>
-              <a:ext uri="{FF2B5EF4-FFF2-40B4-BE49-F238E27FC236}">
-                <a16:creationId xmlns:a16="http://schemas.microsoft.com/office/drawing/2014/main" id="{48420C64-5B02-4E84-B9F3-403B4D01EFED}"/>
-              </a:ext>
-            </a:extLst>
-          </p:cNvPr>
-          <p:cNvPicPr>
-            <a:picLocks noChangeAspect="1" noChangeArrowheads="1"/>
-          </p:cNvPicPr>
-          <p:nvPr/>
-        </p:nvPicPr>
-        <p:blipFill>
-          <a:blip r:embed="rId2">
-            <a:extLst>
-              <a:ext uri="{28A0092B-C50C-407E-A947-70E740481C1C}">
-                <a14:useLocalDpi xmlns:a14="http://schemas.microsoft.com/office/drawing/2010/main" val="0"/>
-              </a:ext>
-            </a:extLst>
-          </a:blip>
-          <a:srcRect/>
-          <a:stretch>
-            <a:fillRect/>
-          </a:stretch>
-        </p:blipFill>
-        <p:spPr bwMode="auto">
-          <a:xfrm>
-            <a:off x="10985829" y="6493163"/>
-            <a:ext cx="1123297" cy="244821"/>
-          </a:xfrm>
-          <a:prstGeom prst="rect">
-            <a:avLst/>
-          </a:prstGeom>
-          <a:noFill/>
-          <a:extLst>
-            <a:ext uri="{909E8E84-426E-40DD-AFC4-6F175D3DCCD1}">
-              <a14:hiddenFill xmlns:a14="http://schemas.microsoft.com/office/drawing/2010/main">
-                <a:solidFill>
-                  <a:srgbClr val="FFFFFF"/>
-                </a:solidFill>
-              </a14:hiddenFill>
-            </a:ext>
-          </a:extLst>
-        </p:spPr>
-      </p:pic>
-      <p:sp>
-        <p:nvSpPr>
-          <p:cNvPr id="3" name="Rectangle 2">
-            <a:extLst>
-              <a:ext uri="{FF2B5EF4-FFF2-40B4-BE49-F238E27FC236}">
-                <a16:creationId xmlns:a16="http://schemas.microsoft.com/office/drawing/2014/main" id="{61E353FE-CE63-43A1-BAC1-2F5B83FDD49E}"/>
-              </a:ext>
-            </a:extLst>
-          </p:cNvPr>
-          <p:cNvSpPr/>
-          <p:nvPr/>
-        </p:nvSpPr>
-        <p:spPr>
-          <a:xfrm>
-            <a:off x="0" y="0"/>
-            <a:ext cx="274320" cy="6858000"/>
-          </a:xfrm>
-          <a:prstGeom prst="rect">
-            <a:avLst/>
-          </a:prstGeom>
-          <a:solidFill>
-            <a:srgbClr val="EB5F5E"/>
-          </a:solidFill>
-          <a:ln>
-            <a:noFill/>
-          </a:ln>
-        </p:spPr>
-        <p:style>
-          <a:lnRef idx="2">
-            <a:schemeClr val="accent1">
-              <a:shade val="50000"/>
-            </a:schemeClr>
-          </a:lnRef>
-          <a:fillRef idx="1">
-            <a:schemeClr val="accent1"/>
-          </a:fillRef>
-          <a:effectRef idx="0">
-            <a:schemeClr val="accent1"/>
-          </a:effectRef>
-          <a:fontRef idx="minor">
-            <a:schemeClr val="lt1"/>
-          </a:fontRef>
-        </p:style>
-        <p:txBody>
-          <a:bodyPr rtlCol="0" anchor="ctr"/>
-          <a:lstStyle/>
-          <a:p>
-            <a:pPr algn="ctr"/>
-            <a:endParaRPr lang="en-US"/>
-          </a:p>
-        </p:txBody>
-      </p:sp>
-      <p:sp>
-        <p:nvSpPr>
-          <p:cNvPr id="6" name="TextBox 5">
-            <a:extLst>
-              <a:ext uri="{FF2B5EF4-FFF2-40B4-BE49-F238E27FC236}">
-                <a16:creationId xmlns:a16="http://schemas.microsoft.com/office/drawing/2014/main" id="{B44B5988-FFF6-4BC8-B92F-6860D1589E81}"/>
-              </a:ext>
-            </a:extLst>
-          </p:cNvPr>
-          <p:cNvSpPr txBox="1"/>
-          <p:nvPr/>
-        </p:nvSpPr>
-        <p:spPr>
-          <a:xfrm>
-            <a:off x="701964" y="369454"/>
-            <a:ext cx="10972800" cy="830997"/>
-          </a:xfrm>
-          <a:prstGeom prst="rect">
-            <a:avLst/>
-          </a:prstGeom>
-          <a:noFill/>
-        </p:spPr>
-        <p:txBody>
-          <a:bodyPr wrap="square" rtlCol="0">
-            <a:spAutoFit/>
-          </a:bodyPr>
-          <a:lstStyle/>
-          <a:p>
-            <a:r>
-              <a:rPr lang="en-US" sz="4800" dirty="0">
-                <a:solidFill>
-                  <a:srgbClr val="EB5F5E"/>
-                </a:solidFill>
-              </a:rPr>
-              <a:t>Difficulties and Opportunities</a:t>
-            </a:r>
-          </a:p>
-        </p:txBody>
-      </p:sp>
-      <p:sp>
-        <p:nvSpPr>
-          <p:cNvPr id="4" name="TextBox 3">
-            <a:extLst>
-              <a:ext uri="{FF2B5EF4-FFF2-40B4-BE49-F238E27FC236}">
-                <a16:creationId xmlns:a16="http://schemas.microsoft.com/office/drawing/2014/main" id="{2466095E-708B-4964-BD3E-026FDFB363E9}"/>
-              </a:ext>
-            </a:extLst>
-          </p:cNvPr>
-          <p:cNvSpPr txBox="1"/>
-          <p:nvPr/>
-        </p:nvSpPr>
-        <p:spPr>
-          <a:xfrm>
-            <a:off x="1097280" y="1615440"/>
-            <a:ext cx="10119360" cy="369332"/>
-          </a:xfrm>
-          <a:prstGeom prst="rect">
-            <a:avLst/>
-          </a:prstGeom>
-          <a:noFill/>
-        </p:spPr>
-        <p:txBody>
-          <a:bodyPr wrap="square" rtlCol="0">
-            <a:spAutoFit/>
-          </a:bodyPr>
-          <a:lstStyle/>
-          <a:p>
-            <a:pPr marL="285750" indent="-285750">
-              <a:buBlip>
-                <a:blip r:embed="rId3"/>
-              </a:buBlip>
-            </a:pPr>
-            <a:endParaRPr lang="en-US" dirty="0"/>
-          </a:p>
-        </p:txBody>
-      </p:sp>
     </p:spTree>
     <p:extLst>
       <p:ext uri="{BB962C8B-B14F-4D97-AF65-F5344CB8AC3E}">
@@ -5196,7 +5114,7 @@
 </p:sld>
 </file>
 
-<file path=ppt/slides/slide15.xml><?xml version="1.0" encoding="utf-8"?>
+<file path=ppt/slides/slide13.xml><?xml version="1.0" encoding="utf-8"?>
 <p:sld xmlns:a="http://schemas.openxmlformats.org/drawingml/2006/main" xmlns:r="http://schemas.openxmlformats.org/officeDocument/2006/relationships" xmlns:p="http://schemas.openxmlformats.org/presentationml/2006/main">
   <p:cSld>
     <p:bg>
@@ -6129,6 +6047,126 @@
           </a:p>
         </p:txBody>
       </p:sp>
+      <p:sp>
+        <p:nvSpPr>
+          <p:cNvPr id="5" name="TextBox 4">
+            <a:extLst>
+              <a:ext uri="{FF2B5EF4-FFF2-40B4-BE49-F238E27FC236}">
+                <a16:creationId xmlns:a16="http://schemas.microsoft.com/office/drawing/2014/main" id="{F2B99DFF-5D2B-4B5A-9222-7BC314ECD28D}"/>
+              </a:ext>
+            </a:extLst>
+          </p:cNvPr>
+          <p:cNvSpPr txBox="1"/>
+          <p:nvPr/>
+        </p:nvSpPr>
+        <p:spPr>
+          <a:xfrm>
+            <a:off x="821268" y="1371600"/>
+            <a:ext cx="9491133" cy="5693866"/>
+          </a:xfrm>
+          <a:prstGeom prst="rect">
+            <a:avLst/>
+          </a:prstGeom>
+          <a:noFill/>
+        </p:spPr>
+        <p:txBody>
+          <a:bodyPr wrap="square" rtlCol="0">
+            <a:spAutoFit/>
+          </a:bodyPr>
+          <a:lstStyle/>
+          <a:p>
+            <a:r>
+              <a:rPr lang="en-US" sz="3200" dirty="0"/>
+              <a:t>For each city:</a:t>
+            </a:r>
+          </a:p>
+          <a:p>
+            <a:pPr marL="285750" indent="-285750">
+              <a:buFont typeface="Arial" panose="020B0604020202020204" pitchFamily="34" charset="0"/>
+              <a:buChar char="•"/>
+            </a:pPr>
+            <a:r>
+              <a:rPr lang="en-US" sz="3200" dirty="0"/>
+              <a:t>Room Type Breakdown – Private Room, Shared Room, Entire Home/Apt</a:t>
+            </a:r>
+          </a:p>
+          <a:p>
+            <a:pPr marL="285750" indent="-285750">
+              <a:buFont typeface="Arial" panose="020B0604020202020204" pitchFamily="34" charset="0"/>
+              <a:buChar char="•"/>
+            </a:pPr>
+            <a:r>
+              <a:rPr lang="en-US" sz="3200" dirty="0"/>
+              <a:t>Room Type vs. Average Price</a:t>
+            </a:r>
+          </a:p>
+          <a:p>
+            <a:pPr marL="285750" indent="-285750">
+              <a:buFont typeface="Arial" panose="020B0604020202020204" pitchFamily="34" charset="0"/>
+              <a:buChar char="•"/>
+            </a:pPr>
+            <a:r>
+              <a:rPr lang="en-US" sz="3200" dirty="0"/>
+              <a:t>Average Price by Neighborhood</a:t>
+            </a:r>
+          </a:p>
+          <a:p>
+            <a:pPr marL="285750" indent="-285750">
+              <a:buFont typeface="Arial" panose="020B0604020202020204" pitchFamily="34" charset="0"/>
+              <a:buChar char="•"/>
+            </a:pPr>
+            <a:r>
+              <a:rPr lang="en-US" sz="3200" dirty="0"/>
+              <a:t>Overall Satisfaction vs Price</a:t>
+            </a:r>
+          </a:p>
+          <a:p>
+            <a:pPr marL="285750" indent="-285750">
+              <a:buFont typeface="Arial" panose="020B0604020202020204" pitchFamily="34" charset="0"/>
+              <a:buChar char="•"/>
+            </a:pPr>
+            <a:r>
+              <a:rPr lang="en-US" sz="3200" dirty="0"/>
+              <a:t>Price Range vs Average Satisfaction</a:t>
+            </a:r>
+          </a:p>
+          <a:p>
+            <a:pPr marL="285750" indent="-285750">
+              <a:buFont typeface="Arial" panose="020B0604020202020204" pitchFamily="34" charset="0"/>
+              <a:buChar char="•"/>
+            </a:pPr>
+            <a:endParaRPr lang="en-US" sz="2800" dirty="0"/>
+          </a:p>
+          <a:p>
+            <a:pPr marL="285750" indent="-285750">
+              <a:buFont typeface="Arial" panose="020B0604020202020204" pitchFamily="34" charset="0"/>
+              <a:buChar char="•"/>
+            </a:pPr>
+            <a:endParaRPr lang="en-US" sz="2800" dirty="0"/>
+          </a:p>
+          <a:p>
+            <a:pPr marL="285750" indent="-285750">
+              <a:buFont typeface="Arial" panose="020B0604020202020204" pitchFamily="34" charset="0"/>
+              <a:buChar char="•"/>
+            </a:pPr>
+            <a:endParaRPr lang="en-US" sz="2800" dirty="0"/>
+          </a:p>
+          <a:p>
+            <a:pPr marL="285750" indent="-285750">
+              <a:buFont typeface="Arial" panose="020B0604020202020204" pitchFamily="34" charset="0"/>
+              <a:buChar char="•"/>
+            </a:pPr>
+            <a:endParaRPr lang="en-US" sz="2800" dirty="0"/>
+          </a:p>
+          <a:p>
+            <a:pPr marL="285750" indent="-285750">
+              <a:buFont typeface="Arial" panose="020B0604020202020204" pitchFamily="34" charset="0"/>
+              <a:buChar char="•"/>
+            </a:pPr>
+            <a:endParaRPr lang="en-US" sz="2800" dirty="0"/>
+          </a:p>
+        </p:txBody>
+      </p:sp>
     </p:spTree>
     <p:extLst>
       <p:ext uri="{BB962C8B-B14F-4D97-AF65-F5344CB8AC3E}">
@@ -6360,6 +6398,94 @@
           </a:p>
         </p:txBody>
       </p:sp>
+      <p:sp>
+        <p:nvSpPr>
+          <p:cNvPr id="5" name="TextBox 4">
+            <a:extLst>
+              <a:ext uri="{FF2B5EF4-FFF2-40B4-BE49-F238E27FC236}">
+                <a16:creationId xmlns:a16="http://schemas.microsoft.com/office/drawing/2014/main" id="{CA3870D2-8D79-4E8F-A7E2-1F071A91753B}"/>
+              </a:ext>
+            </a:extLst>
+          </p:cNvPr>
+          <p:cNvSpPr txBox="1"/>
+          <p:nvPr/>
+        </p:nvSpPr>
+        <p:spPr>
+          <a:xfrm>
+            <a:off x="821267" y="1312333"/>
+            <a:ext cx="7899400" cy="1692771"/>
+          </a:xfrm>
+          <a:prstGeom prst="rect">
+            <a:avLst/>
+          </a:prstGeom>
+          <a:noFill/>
+        </p:spPr>
+        <p:txBody>
+          <a:bodyPr wrap="square" rtlCol="0">
+            <a:spAutoFit/>
+          </a:bodyPr>
+          <a:lstStyle/>
+          <a:p>
+            <a:r>
+              <a:rPr lang="en-US" sz="2400" dirty="0">
+                <a:hlinkClick r:id="rId4"/>
+              </a:rPr>
+              <a:t>http://tomslee.net/airbnb-data-collection-get-the-data</a:t>
+            </a:r>
+            <a:endParaRPr lang="en-US" sz="2400" dirty="0"/>
+          </a:p>
+          <a:p>
+            <a:endParaRPr lang="en-US" sz="2800" dirty="0"/>
+          </a:p>
+          <a:p>
+            <a:pPr marL="342900" indent="-342900">
+              <a:buFont typeface="Arial" panose="020B0604020202020204" pitchFamily="34" charset="0"/>
+              <a:buChar char="•"/>
+            </a:pPr>
+            <a:r>
+              <a:rPr lang="en-US" sz="2800" dirty="0"/>
+              <a:t>Used most recent (July 2017) CSV</a:t>
+            </a:r>
+          </a:p>
+          <a:p>
+            <a:pPr marL="342900" indent="-342900">
+              <a:buFont typeface="Arial" panose="020B0604020202020204" pitchFamily="34" charset="0"/>
+              <a:buChar char="•"/>
+            </a:pPr>
+            <a:endParaRPr lang="en-US" sz="2400" dirty="0"/>
+          </a:p>
+        </p:txBody>
+      </p:sp>
+      <p:pic>
+        <p:nvPicPr>
+          <p:cNvPr id="7" name="Picture 6">
+            <a:extLst>
+              <a:ext uri="{FF2B5EF4-FFF2-40B4-BE49-F238E27FC236}">
+                <a16:creationId xmlns:a16="http://schemas.microsoft.com/office/drawing/2014/main" id="{ED3BC9AF-DA59-42FD-B469-CD3FF7D8984C}"/>
+              </a:ext>
+            </a:extLst>
+          </p:cNvPr>
+          <p:cNvPicPr>
+            <a:picLocks noChangeAspect="1"/>
+          </p:cNvPicPr>
+          <p:nvPr/>
+        </p:nvPicPr>
+        <p:blipFill>
+          <a:blip r:embed="rId5"/>
+          <a:stretch>
+            <a:fillRect/>
+          </a:stretch>
+        </p:blipFill>
+        <p:spPr>
+          <a:xfrm>
+            <a:off x="4076700" y="3116986"/>
+            <a:ext cx="6036205" cy="1975101"/>
+          </a:xfrm>
+          <a:prstGeom prst="rect">
+            <a:avLst/>
+          </a:prstGeom>
+        </p:spPr>
+      </p:pic>
     </p:spTree>
     <p:extLst>
       <p:ext uri="{BB962C8B-B14F-4D97-AF65-F5344CB8AC3E}">
@@ -6591,6 +6717,105 @@
           </a:p>
         </p:txBody>
       </p:sp>
+      <p:sp>
+        <p:nvSpPr>
+          <p:cNvPr id="5" name="TextBox 4">
+            <a:extLst>
+              <a:ext uri="{FF2B5EF4-FFF2-40B4-BE49-F238E27FC236}">
+                <a16:creationId xmlns:a16="http://schemas.microsoft.com/office/drawing/2014/main" id="{15AE7B96-66BE-48E9-84A4-9174184052E0}"/>
+              </a:ext>
+            </a:extLst>
+          </p:cNvPr>
+          <p:cNvSpPr txBox="1"/>
+          <p:nvPr/>
+        </p:nvSpPr>
+        <p:spPr>
+          <a:xfrm>
+            <a:off x="838200" y="1456267"/>
+            <a:ext cx="9110133" cy="2062103"/>
+          </a:xfrm>
+          <a:prstGeom prst="rect">
+            <a:avLst/>
+          </a:prstGeom>
+          <a:noFill/>
+        </p:spPr>
+        <p:txBody>
+          <a:bodyPr wrap="square" rtlCol="0">
+            <a:spAutoFit/>
+          </a:bodyPr>
+          <a:lstStyle/>
+          <a:p>
+            <a:pPr marL="457200" indent="-457200">
+              <a:buFont typeface="Arial" panose="020B0604020202020204" pitchFamily="34" charset="0"/>
+              <a:buChar char="•"/>
+            </a:pPr>
+            <a:r>
+              <a:rPr lang="en-US" sz="3200" dirty="0"/>
+              <a:t>Removed blank columns and rows</a:t>
+            </a:r>
+          </a:p>
+          <a:p>
+            <a:pPr marL="457200" indent="-457200">
+              <a:buFont typeface="Arial" panose="020B0604020202020204" pitchFamily="34" charset="0"/>
+              <a:buChar char="•"/>
+            </a:pPr>
+            <a:r>
+              <a:rPr lang="en-US" sz="3200" dirty="0"/>
+              <a:t>Dropped other not needed columns</a:t>
+            </a:r>
+          </a:p>
+          <a:p>
+            <a:pPr marL="457200" indent="-457200">
+              <a:buFont typeface="Arial" panose="020B0604020202020204" pitchFamily="34" charset="0"/>
+              <a:buChar char="•"/>
+            </a:pPr>
+            <a:r>
+              <a:rPr lang="en-US" sz="3200" dirty="0"/>
+              <a:t>.describe()</a:t>
+            </a:r>
+          </a:p>
+          <a:p>
+            <a:pPr marL="457200" indent="-457200">
+              <a:buFont typeface="Arial" panose="020B0604020202020204" pitchFamily="34" charset="0"/>
+              <a:buChar char="•"/>
+            </a:pPr>
+            <a:r>
+              <a:rPr lang="en-US" sz="3200" dirty="0"/>
+              <a:t>.count()</a:t>
+            </a:r>
+          </a:p>
+        </p:txBody>
+      </p:sp>
+      <p:pic>
+        <p:nvPicPr>
+          <p:cNvPr id="7" name="Picture 6">
+            <a:extLst>
+              <a:ext uri="{FF2B5EF4-FFF2-40B4-BE49-F238E27FC236}">
+                <a16:creationId xmlns:a16="http://schemas.microsoft.com/office/drawing/2014/main" id="{859D9AC5-0002-4546-9C78-D5B3D89A5987}"/>
+              </a:ext>
+            </a:extLst>
+          </p:cNvPr>
+          <p:cNvPicPr>
+            <a:picLocks noChangeAspect="1"/>
+          </p:cNvPicPr>
+          <p:nvPr/>
+        </p:nvPicPr>
+        <p:blipFill>
+          <a:blip r:embed="rId4"/>
+          <a:stretch>
+            <a:fillRect/>
+          </a:stretch>
+        </p:blipFill>
+        <p:spPr>
+          <a:xfrm>
+            <a:off x="3991495" y="3746338"/>
+            <a:ext cx="6041504" cy="1936750"/>
+          </a:xfrm>
+          <a:prstGeom prst="rect">
+            <a:avLst/>
+          </a:prstGeom>
+        </p:spPr>
+      </p:pic>
     </p:spTree>
     <p:extLst>
       <p:ext uri="{BB962C8B-B14F-4D97-AF65-F5344CB8AC3E}">
@@ -6822,6 +7047,85 @@
           </a:p>
         </p:txBody>
       </p:sp>
+      <p:sp>
+        <p:nvSpPr>
+          <p:cNvPr id="5" name="TextBox 4">
+            <a:extLst>
+              <a:ext uri="{FF2B5EF4-FFF2-40B4-BE49-F238E27FC236}">
+                <a16:creationId xmlns:a16="http://schemas.microsoft.com/office/drawing/2014/main" id="{ED7AC6EA-82F7-40BC-A17A-4C3722C81E45}"/>
+              </a:ext>
+            </a:extLst>
+          </p:cNvPr>
+          <p:cNvSpPr txBox="1"/>
+          <p:nvPr/>
+        </p:nvSpPr>
+        <p:spPr>
+          <a:xfrm>
+            <a:off x="863600" y="1329267"/>
+            <a:ext cx="9838267" cy="2554545"/>
+          </a:xfrm>
+          <a:prstGeom prst="rect">
+            <a:avLst/>
+          </a:prstGeom>
+          <a:noFill/>
+        </p:spPr>
+        <p:txBody>
+          <a:bodyPr wrap="square" rtlCol="0">
+            <a:spAutoFit/>
+          </a:bodyPr>
+          <a:lstStyle/>
+          <a:p>
+            <a:pPr marL="457200" indent="-457200">
+              <a:buFont typeface="Arial" panose="020B0604020202020204" pitchFamily="34" charset="0"/>
+              <a:buChar char="•"/>
+            </a:pPr>
+            <a:r>
+              <a:rPr lang="en-US" sz="3200" dirty="0"/>
+              <a:t>Findings</a:t>
+            </a:r>
+          </a:p>
+          <a:p>
+            <a:pPr marL="457200" indent="-457200">
+              <a:buFont typeface="Arial" panose="020B0604020202020204" pitchFamily="34" charset="0"/>
+              <a:buChar char="•"/>
+            </a:pPr>
+            <a:r>
+              <a:rPr lang="en-US" sz="3200" dirty="0"/>
+              <a:t>Findings</a:t>
+            </a:r>
+          </a:p>
+          <a:p>
+            <a:pPr marL="457200" indent="-457200">
+              <a:buFont typeface="Arial" panose="020B0604020202020204" pitchFamily="34" charset="0"/>
+              <a:buChar char="•"/>
+            </a:pPr>
+            <a:r>
+              <a:rPr lang="en-US" sz="3200" dirty="0"/>
+              <a:t>Findings</a:t>
+            </a:r>
+          </a:p>
+          <a:p>
+            <a:pPr marL="457200" indent="-457200">
+              <a:buFont typeface="Arial" panose="020B0604020202020204" pitchFamily="34" charset="0"/>
+              <a:buChar char="•"/>
+            </a:pPr>
+            <a:r>
+              <a:rPr lang="en-US" sz="3200" dirty="0"/>
+              <a:t>Findings</a:t>
+            </a:r>
+          </a:p>
+          <a:p>
+            <a:pPr marL="457200" indent="-457200">
+              <a:buFont typeface="Arial" panose="020B0604020202020204" pitchFamily="34" charset="0"/>
+              <a:buChar char="•"/>
+            </a:pPr>
+            <a:r>
+              <a:rPr lang="en-US" sz="3200" dirty="0"/>
+              <a:t>Findings</a:t>
+            </a:r>
+          </a:p>
+        </p:txBody>
+      </p:sp>
     </p:spTree>
     <p:extLst>
       <p:ext uri="{BB962C8B-B14F-4D97-AF65-F5344CB8AC3E}">
@@ -7011,7 +7315,7 @@
                   <a:srgbClr val="EB5F5E"/>
                 </a:solidFill>
               </a:rPr>
-              <a:t>Questions</a:t>
+              <a:t>Room Type Breakdown</a:t>
             </a:r>
           </a:p>
         </p:txBody>
@@ -7053,6 +7357,144 @@
           </a:p>
         </p:txBody>
       </p:sp>
+      <p:pic>
+        <p:nvPicPr>
+          <p:cNvPr id="13" name="Picture 12">
+            <a:extLst>
+              <a:ext uri="{FF2B5EF4-FFF2-40B4-BE49-F238E27FC236}">
+                <a16:creationId xmlns:a16="http://schemas.microsoft.com/office/drawing/2014/main" id="{0B67B474-451D-48B9-8C31-FB13E0D4B898}"/>
+              </a:ext>
+            </a:extLst>
+          </p:cNvPr>
+          <p:cNvPicPr>
+            <a:picLocks noChangeAspect="1"/>
+          </p:cNvPicPr>
+          <p:nvPr/>
+        </p:nvPicPr>
+        <p:blipFill>
+          <a:blip r:embed="rId4">
+            <a:extLst>
+              <a:ext uri="{28A0092B-C50C-407E-A947-70E740481C1C}">
+                <a14:useLocalDpi xmlns:a14="http://schemas.microsoft.com/office/drawing/2010/main" val="0"/>
+              </a:ext>
+            </a:extLst>
+          </a:blip>
+          <a:stretch>
+            <a:fillRect/>
+          </a:stretch>
+        </p:blipFill>
+        <p:spPr>
+          <a:xfrm>
+            <a:off x="1655141" y="1362472"/>
+            <a:ext cx="3974933" cy="2484333"/>
+          </a:xfrm>
+          <a:prstGeom prst="rect">
+            <a:avLst/>
+          </a:prstGeom>
+        </p:spPr>
+      </p:pic>
+      <p:pic>
+        <p:nvPicPr>
+          <p:cNvPr id="16" name="Picture 15">
+            <a:extLst>
+              <a:ext uri="{FF2B5EF4-FFF2-40B4-BE49-F238E27FC236}">
+                <a16:creationId xmlns:a16="http://schemas.microsoft.com/office/drawing/2014/main" id="{E8928218-8072-481B-A3BD-B77F0C09FDAA}"/>
+              </a:ext>
+            </a:extLst>
+          </p:cNvPr>
+          <p:cNvPicPr>
+            <a:picLocks noChangeAspect="1"/>
+          </p:cNvPicPr>
+          <p:nvPr/>
+        </p:nvPicPr>
+        <p:blipFill>
+          <a:blip r:embed="rId5">
+            <a:extLst>
+              <a:ext uri="{28A0092B-C50C-407E-A947-70E740481C1C}">
+                <a14:useLocalDpi xmlns:a14="http://schemas.microsoft.com/office/drawing/2010/main" val="0"/>
+              </a:ext>
+            </a:extLst>
+          </a:blip>
+          <a:stretch>
+            <a:fillRect/>
+          </a:stretch>
+        </p:blipFill>
+        <p:spPr>
+          <a:xfrm>
+            <a:off x="6561925" y="1362472"/>
+            <a:ext cx="3974934" cy="2484334"/>
+          </a:xfrm>
+          <a:prstGeom prst="rect">
+            <a:avLst/>
+          </a:prstGeom>
+        </p:spPr>
+      </p:pic>
+      <p:pic>
+        <p:nvPicPr>
+          <p:cNvPr id="17" name="Picture 16">
+            <a:extLst>
+              <a:ext uri="{FF2B5EF4-FFF2-40B4-BE49-F238E27FC236}">
+                <a16:creationId xmlns:a16="http://schemas.microsoft.com/office/drawing/2014/main" id="{039ADF0B-F2D2-4180-A7F7-35E28740AF81}"/>
+              </a:ext>
+            </a:extLst>
+          </p:cNvPr>
+          <p:cNvPicPr>
+            <a:picLocks noChangeAspect="1"/>
+          </p:cNvPicPr>
+          <p:nvPr/>
+        </p:nvPicPr>
+        <p:blipFill>
+          <a:blip r:embed="rId6">
+            <a:extLst>
+              <a:ext uri="{28A0092B-C50C-407E-A947-70E740481C1C}">
+                <a14:useLocalDpi xmlns:a14="http://schemas.microsoft.com/office/drawing/2010/main" val="0"/>
+              </a:ext>
+            </a:extLst>
+          </a:blip>
+          <a:stretch>
+            <a:fillRect/>
+          </a:stretch>
+        </p:blipFill>
+        <p:spPr>
+          <a:xfrm>
+            <a:off x="1655140" y="4049634"/>
+            <a:ext cx="3974934" cy="2484334"/>
+          </a:xfrm>
+          <a:prstGeom prst="rect">
+            <a:avLst/>
+          </a:prstGeom>
+        </p:spPr>
+      </p:pic>
+      <p:pic>
+        <p:nvPicPr>
+          <p:cNvPr id="20" name="Picture 19">
+            <a:extLst>
+              <a:ext uri="{FF2B5EF4-FFF2-40B4-BE49-F238E27FC236}">
+                <a16:creationId xmlns:a16="http://schemas.microsoft.com/office/drawing/2014/main" id="{B201BB04-A35E-42DF-9941-30910A652CE2}"/>
+              </a:ext>
+            </a:extLst>
+          </p:cNvPr>
+          <p:cNvPicPr>
+            <a:picLocks noChangeAspect="1"/>
+          </p:cNvPicPr>
+          <p:nvPr/>
+        </p:nvPicPr>
+        <p:blipFill>
+          <a:blip r:embed="rId7"/>
+          <a:stretch>
+            <a:fillRect/>
+          </a:stretch>
+        </p:blipFill>
+        <p:spPr>
+          <a:xfrm>
+            <a:off x="6561926" y="4055533"/>
+            <a:ext cx="3974934" cy="2484474"/>
+          </a:xfrm>
+          <a:prstGeom prst="rect">
+            <a:avLst/>
+          </a:prstGeom>
+        </p:spPr>
+      </p:pic>
     </p:spTree>
     <p:extLst>
       <p:ext uri="{BB962C8B-B14F-4D97-AF65-F5344CB8AC3E}">
@@ -7222,7 +7664,7 @@
         </p:nvSpPr>
         <p:spPr>
           <a:xfrm>
-            <a:off x="701964" y="369454"/>
+            <a:off x="670560" y="203920"/>
             <a:ext cx="10972800" cy="830997"/>
           </a:xfrm>
           <a:prstGeom prst="rect">
@@ -7284,6 +7726,150 @@
           </a:p>
         </p:txBody>
       </p:sp>
+      <p:pic>
+        <p:nvPicPr>
+          <p:cNvPr id="10" name="Picture 9">
+            <a:extLst>
+              <a:ext uri="{FF2B5EF4-FFF2-40B4-BE49-F238E27FC236}">
+                <a16:creationId xmlns:a16="http://schemas.microsoft.com/office/drawing/2014/main" id="{1CC6A267-CE07-4208-AFF1-A6E0D6AD035A}"/>
+              </a:ext>
+            </a:extLst>
+          </p:cNvPr>
+          <p:cNvPicPr>
+            <a:picLocks noChangeAspect="1"/>
+          </p:cNvPicPr>
+          <p:nvPr/>
+        </p:nvPicPr>
+        <p:blipFill>
+          <a:blip r:embed="rId4">
+            <a:extLst>
+              <a:ext uri="{28A0092B-C50C-407E-A947-70E740481C1C}">
+                <a14:useLocalDpi xmlns:a14="http://schemas.microsoft.com/office/drawing/2010/main" val="0"/>
+              </a:ext>
+            </a:extLst>
+          </a:blip>
+          <a:stretch>
+            <a:fillRect/>
+          </a:stretch>
+        </p:blipFill>
+        <p:spPr>
+          <a:xfrm>
+            <a:off x="1178561" y="1065336"/>
+            <a:ext cx="4146806" cy="2764537"/>
+          </a:xfrm>
+          <a:prstGeom prst="rect">
+            <a:avLst/>
+          </a:prstGeom>
+        </p:spPr>
+      </p:pic>
+      <p:pic>
+        <p:nvPicPr>
+          <p:cNvPr id="11" name="Picture 10">
+            <a:extLst>
+              <a:ext uri="{FF2B5EF4-FFF2-40B4-BE49-F238E27FC236}">
+                <a16:creationId xmlns:a16="http://schemas.microsoft.com/office/drawing/2014/main" id="{90973AE7-F19A-4F8F-9D30-4143541CA81A}"/>
+              </a:ext>
+            </a:extLst>
+          </p:cNvPr>
+          <p:cNvPicPr>
+            <a:picLocks noChangeAspect="1"/>
+          </p:cNvPicPr>
+          <p:nvPr/>
+        </p:nvPicPr>
+        <p:blipFill>
+          <a:blip r:embed="rId5">
+            <a:extLst>
+              <a:ext uri="{28A0092B-C50C-407E-A947-70E740481C1C}">
+                <a14:useLocalDpi xmlns:a14="http://schemas.microsoft.com/office/drawing/2010/main" val="0"/>
+              </a:ext>
+            </a:extLst>
+          </a:blip>
+          <a:stretch>
+            <a:fillRect/>
+          </a:stretch>
+        </p:blipFill>
+        <p:spPr>
+          <a:xfrm>
+            <a:off x="6426662" y="1065335"/>
+            <a:ext cx="4105871" cy="2764537"/>
+          </a:xfrm>
+          <a:prstGeom prst="rect">
+            <a:avLst/>
+          </a:prstGeom>
+        </p:spPr>
+      </p:pic>
+      <p:pic>
+        <p:nvPicPr>
+          <p:cNvPr id="13" name="Picture 12">
+            <a:extLst>
+              <a:ext uri="{FF2B5EF4-FFF2-40B4-BE49-F238E27FC236}">
+                <a16:creationId xmlns:a16="http://schemas.microsoft.com/office/drawing/2014/main" id="{CD1AA086-7898-4B8F-8626-34DCF47CC958}"/>
+              </a:ext>
+            </a:extLst>
+          </p:cNvPr>
+          <p:cNvPicPr>
+            <a:picLocks noChangeAspect="1"/>
+          </p:cNvPicPr>
+          <p:nvPr/>
+        </p:nvPicPr>
+        <p:blipFill>
+          <a:blip r:embed="rId6">
+            <a:extLst>
+              <a:ext uri="{28A0092B-C50C-407E-A947-70E740481C1C}">
+                <a14:useLocalDpi xmlns:a14="http://schemas.microsoft.com/office/drawing/2010/main" val="0"/>
+              </a:ext>
+            </a:extLst>
+          </a:blip>
+          <a:stretch>
+            <a:fillRect/>
+          </a:stretch>
+        </p:blipFill>
+        <p:spPr>
+          <a:xfrm>
+            <a:off x="1178561" y="3860291"/>
+            <a:ext cx="4146806" cy="2764537"/>
+          </a:xfrm>
+          <a:prstGeom prst="rect">
+            <a:avLst/>
+          </a:prstGeom>
+        </p:spPr>
+      </p:pic>
+      <p:pic>
+        <p:nvPicPr>
+          <p:cNvPr id="14" name="Picture 13">
+            <a:extLst>
+              <a:ext uri="{FF2B5EF4-FFF2-40B4-BE49-F238E27FC236}">
+                <a16:creationId xmlns:a16="http://schemas.microsoft.com/office/drawing/2014/main" id="{BA046E2A-BACF-4BE4-A7B3-283781872CF3}"/>
+              </a:ext>
+            </a:extLst>
+          </p:cNvPr>
+          <p:cNvPicPr>
+            <a:picLocks noChangeAspect="1"/>
+          </p:cNvPicPr>
+          <p:nvPr/>
+        </p:nvPicPr>
+        <p:blipFill>
+          <a:blip r:embed="rId7">
+            <a:extLst>
+              <a:ext uri="{28A0092B-C50C-407E-A947-70E740481C1C}">
+                <a14:useLocalDpi xmlns:a14="http://schemas.microsoft.com/office/drawing/2010/main" val="0"/>
+              </a:ext>
+            </a:extLst>
+          </a:blip>
+          <a:stretch>
+            <a:fillRect/>
+          </a:stretch>
+        </p:blipFill>
+        <p:spPr>
+          <a:xfrm>
+            <a:off x="6426662" y="3852333"/>
+            <a:ext cx="4119787" cy="2772495"/>
+          </a:xfrm>
+          <a:prstGeom prst="rect">
+            <a:avLst/>
+          </a:prstGeom>
+        </p:spPr>
+      </p:pic>
     </p:spTree>
     <p:extLst>
       <p:ext uri="{BB962C8B-B14F-4D97-AF65-F5344CB8AC3E}">
@@ -7453,7 +8039,7 @@
         </p:nvSpPr>
         <p:spPr>
           <a:xfrm>
-            <a:off x="701964" y="369454"/>
+            <a:off x="574677" y="120016"/>
             <a:ext cx="10972800" cy="830997"/>
           </a:xfrm>
           <a:prstGeom prst="rect">
@@ -7473,7 +8059,7 @@
                   <a:srgbClr val="EB5F5E"/>
                 </a:solidFill>
               </a:rPr>
-              <a:t>Questions</a:t>
+              <a:t>Average Price by Neighborhood</a:t>
             </a:r>
           </a:p>
         </p:txBody>
@@ -7515,6 +8101,144 @@
           </a:p>
         </p:txBody>
       </p:sp>
+      <p:pic>
+        <p:nvPicPr>
+          <p:cNvPr id="19" name="Picture 18">
+            <a:extLst>
+              <a:ext uri="{FF2B5EF4-FFF2-40B4-BE49-F238E27FC236}">
+                <a16:creationId xmlns:a16="http://schemas.microsoft.com/office/drawing/2014/main" id="{D822EDAA-685A-4BA1-8523-9A37981C310C}"/>
+              </a:ext>
+            </a:extLst>
+          </p:cNvPr>
+          <p:cNvPicPr>
+            <a:picLocks noChangeAspect="1"/>
+          </p:cNvPicPr>
+          <p:nvPr/>
+        </p:nvPicPr>
+        <p:blipFill>
+          <a:blip r:embed="rId4">
+            <a:extLst>
+              <a:ext uri="{28A0092B-C50C-407E-A947-70E740481C1C}">
+                <a14:useLocalDpi xmlns:a14="http://schemas.microsoft.com/office/drawing/2010/main" val="0"/>
+              </a:ext>
+            </a:extLst>
+          </a:blip>
+          <a:stretch>
+            <a:fillRect/>
+          </a:stretch>
+        </p:blipFill>
+        <p:spPr>
+          <a:xfrm>
+            <a:off x="5868188" y="965872"/>
+            <a:ext cx="4169854" cy="2742528"/>
+          </a:xfrm>
+          <a:prstGeom prst="rect">
+            <a:avLst/>
+          </a:prstGeom>
+        </p:spPr>
+      </p:pic>
+      <p:pic>
+        <p:nvPicPr>
+          <p:cNvPr id="30" name="Picture 29">
+            <a:extLst>
+              <a:ext uri="{FF2B5EF4-FFF2-40B4-BE49-F238E27FC236}">
+                <a16:creationId xmlns:a16="http://schemas.microsoft.com/office/drawing/2014/main" id="{9D6403C2-E39F-4E9D-9100-34BF35D8057F}"/>
+              </a:ext>
+            </a:extLst>
+          </p:cNvPr>
+          <p:cNvPicPr>
+            <a:picLocks noChangeAspect="1"/>
+          </p:cNvPicPr>
+          <p:nvPr/>
+        </p:nvPicPr>
+        <p:blipFill>
+          <a:blip r:embed="rId5">
+            <a:extLst>
+              <a:ext uri="{28A0092B-C50C-407E-A947-70E740481C1C}">
+                <a14:useLocalDpi xmlns:a14="http://schemas.microsoft.com/office/drawing/2010/main" val="0"/>
+              </a:ext>
+            </a:extLst>
+          </a:blip>
+          <a:stretch>
+            <a:fillRect/>
+          </a:stretch>
+        </p:blipFill>
+        <p:spPr>
+          <a:xfrm>
+            <a:off x="1069679" y="3888718"/>
+            <a:ext cx="4236974" cy="2824649"/>
+          </a:xfrm>
+          <a:prstGeom prst="rect">
+            <a:avLst/>
+          </a:prstGeom>
+        </p:spPr>
+      </p:pic>
+      <p:pic>
+        <p:nvPicPr>
+          <p:cNvPr id="41" name="Picture 40">
+            <a:extLst>
+              <a:ext uri="{FF2B5EF4-FFF2-40B4-BE49-F238E27FC236}">
+                <a16:creationId xmlns:a16="http://schemas.microsoft.com/office/drawing/2014/main" id="{ABA0FEC5-1CD5-4B3C-AF00-A5A77883CBE6}"/>
+              </a:ext>
+            </a:extLst>
+          </p:cNvPr>
+          <p:cNvPicPr>
+            <a:picLocks noChangeAspect="1"/>
+          </p:cNvPicPr>
+          <p:nvPr/>
+        </p:nvPicPr>
+        <p:blipFill>
+          <a:blip r:embed="rId6">
+            <a:extLst>
+              <a:ext uri="{28A0092B-C50C-407E-A947-70E740481C1C}">
+                <a14:useLocalDpi xmlns:a14="http://schemas.microsoft.com/office/drawing/2010/main" val="0"/>
+              </a:ext>
+            </a:extLst>
+          </a:blip>
+          <a:stretch>
+            <a:fillRect/>
+          </a:stretch>
+        </p:blipFill>
+        <p:spPr>
+          <a:xfrm>
+            <a:off x="5868188" y="3903133"/>
+            <a:ext cx="4174523" cy="2810234"/>
+          </a:xfrm>
+          <a:prstGeom prst="rect">
+            <a:avLst/>
+          </a:prstGeom>
+        </p:spPr>
+      </p:pic>
+      <p:pic>
+        <p:nvPicPr>
+          <p:cNvPr id="42" name="Picture 41">
+            <a:extLst>
+              <a:ext uri="{FF2B5EF4-FFF2-40B4-BE49-F238E27FC236}">
+                <a16:creationId xmlns:a16="http://schemas.microsoft.com/office/drawing/2014/main" id="{3230E605-DCAD-455A-94ED-F93032E804C2}"/>
+              </a:ext>
+            </a:extLst>
+          </p:cNvPr>
+          <p:cNvPicPr>
+            <a:picLocks noChangeAspect="1"/>
+          </p:cNvPicPr>
+          <p:nvPr/>
+        </p:nvPicPr>
+        <p:blipFill>
+          <a:blip r:embed="rId7"/>
+          <a:stretch>
+            <a:fillRect/>
+          </a:stretch>
+        </p:blipFill>
+        <p:spPr>
+          <a:xfrm>
+            <a:off x="1068462" y="951013"/>
+            <a:ext cx="4238191" cy="2706587"/>
+          </a:xfrm>
+          <a:prstGeom prst="rect">
+            <a:avLst/>
+          </a:prstGeom>
+        </p:spPr>
+      </p:pic>
     </p:spTree>
     <p:extLst>
       <p:ext uri="{BB962C8B-B14F-4D97-AF65-F5344CB8AC3E}">
